--- a/5.AHIFS/SYP-SEP/Rerferates/Wlan, Bluetooth und Nfc.pptx
+++ b/5.AHIFS/SYP-SEP/Rerferates/Wlan, Bluetooth und Nfc.pptx
@@ -5,7 +5,7 @@
     <p:sldMasterId id="2147483648" r:id="rId1"/>
   </p:sldMasterIdLst>
   <p:notesMasterIdLst>
-    <p:notesMasterId r:id="rId20"/>
+    <p:notesMasterId r:id="rId21"/>
   </p:notesMasterIdLst>
   <p:sldIdLst>
     <p:sldId id="256" r:id="rId2"/>
@@ -26,6 +26,7 @@
     <p:sldId id="271" r:id="rId17"/>
     <p:sldId id="272" r:id="rId18"/>
     <p:sldId id="273" r:id="rId19"/>
+    <p:sldId id="274" r:id="rId20"/>
   </p:sldIdLst>
   <p:sldSz cx="12192000" cy="6858000"/>
   <p:notesSz cx="6858000" cy="9144000"/>
@@ -124,6 +125,11 @@
       </a:defRPr>
     </a:lvl9pPr>
   </p:defaultTextStyle>
+  <p:extLst>
+    <p:ext uri="{EFAFB233-063F-42B5-8137-9DF3F51BA10A}">
+      <p15:sldGuideLst xmlns:p15="http://schemas.microsoft.com/office/powerpoint/2012/main"/>
+    </p:ext>
+  </p:extLst>
 </p:presentation>
 </file>
 
@@ -209,7 +215,7 @@
           <a:p>
             <a:fld id="{5A45EC9A-71A7-439F-B392-FF7D21A2CA21}" type="datetimeFigureOut">
               <a:rPr lang="de-AT" smtClean="0"/>
-              <a:t>27.11.2018</a:t>
+              <a:t>29.11.2018</a:t>
             </a:fld>
             <a:endParaRPr lang="de-AT"/>
           </a:p>
@@ -521,26 +527,6 @@
           <a:bodyPr/>
           <a:lstStyle/>
           <a:p>
-            <a:pPr marL="171450" indent="-171450">
-              <a:buFont typeface="Arial" panose="020B0604020202020204" pitchFamily="34" charset="0"/>
-              <a:buChar char="•"/>
-            </a:pPr>
-            <a:r>
-              <a:rPr lang="de-AT" dirty="0"/>
-              <a:t>Abhören der Information ist nur möglich, wenn die Sendefrequenz bekannt ist </a:t>
-            </a:r>
-          </a:p>
-          <a:p>
-            <a:pPr marL="171450" indent="-171450">
-              <a:buFont typeface="Arial" panose="020B0604020202020204" pitchFamily="34" charset="0"/>
-              <a:buChar char="•"/>
-            </a:pPr>
-            <a:r>
-              <a:rPr lang="de-AT" dirty="0"/>
-              <a:t>Wenige halten am FHSS Verfahren fest (2 Mbit/s)</a:t>
-            </a:r>
-          </a:p>
-          <a:p>
             <a:endParaRPr lang="de-AT" dirty="0"/>
           </a:p>
         </p:txBody>
@@ -562,7 +548,7 @@
           <a:p>
             <a:fld id="{F46B27C7-C0DA-49F9-A72E-BBC9AA678D9E}" type="slidenum">
               <a:rPr lang="de-AT" smtClean="0"/>
-              <a:t>7</a:t>
+              <a:t>1</a:t>
             </a:fld>
             <a:endParaRPr lang="de-AT"/>
           </a:p>
@@ -571,7 +557,7 @@
     </p:spTree>
     <p:extLst>
       <p:ext uri="{BB962C8B-B14F-4D97-AF65-F5344CB8AC3E}">
-        <p14:creationId xmlns:p14="http://schemas.microsoft.com/office/powerpoint/2010/main" val="986746506"/>
+        <p14:creationId xmlns:p14="http://schemas.microsoft.com/office/powerpoint/2010/main" val="2214840533"/>
       </p:ext>
     </p:extLst>
   </p:cSld>
@@ -625,9 +611,51 @@
           <a:bodyPr/>
           <a:lstStyle/>
           <a:p>
+            <a:pPr marL="171450" indent="-171450">
+              <a:buFont typeface="Arial" panose="020B0604020202020204" pitchFamily="34" charset="0"/>
+              <a:buChar char="•"/>
+            </a:pPr>
             <a:r>
               <a:rPr lang="de-AT" dirty="0"/>
-              <a:t>Technisch mit Bluetooth vergleichbar</a:t>
+              <a:t>Der IEEE Standard lässt verschiedene Kombinationen offen</a:t>
+            </a:r>
+          </a:p>
+          <a:p>
+            <a:pPr marL="171450" indent="-171450">
+              <a:buFont typeface="Arial" panose="020B0604020202020204" pitchFamily="34" charset="0"/>
+              <a:buChar char="•"/>
+            </a:pPr>
+            <a:r>
+              <a:rPr lang="de-AT" dirty="0"/>
+              <a:t>Direkte Verbindung von mobilen Stationen ohne Zugangspunkt (einfachste Weg)</a:t>
+            </a:r>
+          </a:p>
+          <a:p>
+            <a:pPr marL="171450" indent="-171450">
+              <a:buFont typeface="Arial" panose="020B0604020202020204" pitchFamily="34" charset="0"/>
+              <a:buChar char="•"/>
+            </a:pPr>
+            <a:r>
+              <a:rPr lang="de-AT" dirty="0"/>
+              <a:t>Kombi; benötigt einen Access-Point der den Datenverkehr koordiniert (Vermittlung zwischen Lan und </a:t>
+            </a:r>
+            <a:r>
+              <a:rPr lang="de-AT" dirty="0" err="1"/>
+              <a:t>Wlan</a:t>
+            </a:r>
+            <a:r>
+              <a:rPr lang="de-AT" dirty="0"/>
+              <a:t>)</a:t>
+            </a:r>
+          </a:p>
+          <a:p>
+            <a:pPr marL="171450" indent="-171450">
+              <a:buFont typeface="Arial" panose="020B0604020202020204" pitchFamily="34" charset="0"/>
+              <a:buChar char="•"/>
+            </a:pPr>
+            <a:r>
+              <a:rPr lang="de-AT" dirty="0"/>
+              <a:t>Konfiguration muss nicht geändert werden </a:t>
             </a:r>
           </a:p>
         </p:txBody>
@@ -649,7 +677,7 @@
           <a:p>
             <a:fld id="{F46B27C7-C0DA-49F9-A72E-BBC9AA678D9E}" type="slidenum">
               <a:rPr lang="de-AT" smtClean="0"/>
-              <a:t>16</a:t>
+              <a:t>12</a:t>
             </a:fld>
             <a:endParaRPr lang="de-AT"/>
           </a:p>
@@ -658,7 +686,7 @@
     </p:spTree>
     <p:extLst>
       <p:ext uri="{BB962C8B-B14F-4D97-AF65-F5344CB8AC3E}">
-        <p14:creationId xmlns:p14="http://schemas.microsoft.com/office/powerpoint/2010/main" val="3111661653"/>
+        <p14:creationId xmlns:p14="http://schemas.microsoft.com/office/powerpoint/2010/main" val="1536046860"/>
       </p:ext>
     </p:extLst>
   </p:cSld>
@@ -718,25 +746,27 @@
             </a:pPr>
             <a:r>
               <a:rPr lang="de-AT" dirty="0"/>
-              <a:t>Z.B. Bargeldlos einkaufen</a:t>
-            </a:r>
-          </a:p>
-          <a:p>
-            <a:pPr marL="171450" indent="-171450" algn="l">
+              <a:t>Nur fast 17.000 Kombinationen; gilt seit 2001 als geknackt</a:t>
+            </a:r>
+          </a:p>
+          <a:p>
+            <a:pPr marL="171450" indent="-171450">
               <a:buFont typeface="Arial" panose="020B0604020202020204" pitchFamily="34" charset="0"/>
               <a:buChar char="•"/>
             </a:pPr>
             <a:r>
               <a:rPr lang="de-AT" dirty="0"/>
-              <a:t>Lesegerät oder </a:t>
-            </a:r>
-            <a:r>
-              <a:rPr lang="de-AT" dirty="0" err="1"/>
-              <a:t>PEER-to-Peer</a:t>
-            </a:r>
+              <a:t>Für jedes Datenpaket einen eigenen Key</a:t>
+            </a:r>
+          </a:p>
+          <a:p>
+            <a:pPr marL="171450" indent="-171450">
+              <a:buFont typeface="Arial" panose="020B0604020202020204" pitchFamily="34" charset="0"/>
+              <a:buChar char="•"/>
+            </a:pPr>
             <a:r>
               <a:rPr lang="de-AT" dirty="0"/>
-              <a:t>-Modus</a:t>
+              <a:t>Verwendet AES und CCMP zur Verschlüsselung</a:t>
             </a:r>
           </a:p>
         </p:txBody>
@@ -758,7 +788,7 @@
           <a:p>
             <a:fld id="{F46B27C7-C0DA-49F9-A72E-BBC9AA678D9E}" type="slidenum">
               <a:rPr lang="de-AT" smtClean="0"/>
-              <a:t>17</a:t>
+              <a:t>13</a:t>
             </a:fld>
             <a:endParaRPr lang="de-AT"/>
           </a:p>
@@ -767,7 +797,7 @@
     </p:spTree>
     <p:extLst>
       <p:ext uri="{BB962C8B-B14F-4D97-AF65-F5344CB8AC3E}">
-        <p14:creationId xmlns:p14="http://schemas.microsoft.com/office/powerpoint/2010/main" val="3120387954"/>
+        <p14:creationId xmlns:p14="http://schemas.microsoft.com/office/powerpoint/2010/main" val="333672939"/>
       </p:ext>
     </p:extLst>
   </p:cSld>
@@ -827,7 +857,7 @@
             </a:pPr>
             <a:r>
               <a:rPr lang="de-AT" dirty="0"/>
-              <a:t>Spezifiziert wie sich Daten plattformübergreifend mit NFC austauschen lassen</a:t>
+              <a:t>Wird aber heute nicht mehr unterstützt</a:t>
             </a:r>
           </a:p>
           <a:p>
@@ -837,7 +867,7 @@
             </a:pPr>
             <a:r>
               <a:rPr lang="de-AT" dirty="0"/>
-              <a:t>Ermöglicht den direkten Austausch von Daten zwischen zwei NFC-Geräten</a:t>
+              <a:t>Datenpaket auf 79 Einzelkanäle mit einer Frequenz von 1 MHz aufgeteilt und übertragen. </a:t>
             </a:r>
           </a:p>
           <a:p>
@@ -847,13 +877,447 @@
             </a:pPr>
             <a:r>
               <a:rPr lang="de-AT" dirty="0"/>
-              <a:t>Hardware Schnittstelle zwischen SIM-Karte und NFC-Chip um NFC-Anwendungen in der SIM-Karte eines Mobilfunktelefons </a:t>
-            </a:r>
-            <a:r>
-              <a:rPr lang="de-AT"/>
-              <a:t>zu steuern</a:t>
-            </a:r>
+              <a:t>Nach senden eines Datenpakets wird die Frequenz geändert</a:t>
+            </a:r>
+          </a:p>
+          <a:p>
+            <a:pPr marL="171450" indent="-171450">
+              <a:buFont typeface="Arial" panose="020B0604020202020204" pitchFamily="34" charset="0"/>
+              <a:buChar char="•"/>
+            </a:pPr>
             <a:endParaRPr lang="de-AT" dirty="0"/>
+          </a:p>
+        </p:txBody>
+      </p:sp>
+      <p:sp>
+        <p:nvSpPr>
+          <p:cNvPr id="4" name="Foliennummernplatzhalter 3"/>
+          <p:cNvSpPr>
+            <a:spLocks noGrp="1"/>
+          </p:cNvSpPr>
+          <p:nvPr>
+            <p:ph type="sldNum" sz="quarter" idx="5"/>
+          </p:nvPr>
+        </p:nvSpPr>
+        <p:spPr/>
+        <p:txBody>
+          <a:bodyPr/>
+          <a:lstStyle/>
+          <a:p>
+            <a:fld id="{F46B27C7-C0DA-49F9-A72E-BBC9AA678D9E}" type="slidenum">
+              <a:rPr lang="de-AT" smtClean="0"/>
+              <a:t>14</a:t>
+            </a:fld>
+            <a:endParaRPr lang="de-AT"/>
+          </a:p>
+        </p:txBody>
+      </p:sp>
+    </p:spTree>
+    <p:extLst>
+      <p:ext uri="{BB962C8B-B14F-4D97-AF65-F5344CB8AC3E}">
+        <p14:creationId xmlns:p14="http://schemas.microsoft.com/office/powerpoint/2010/main" val="643171319"/>
+      </p:ext>
+    </p:extLst>
+  </p:cSld>
+  <p:clrMapOvr>
+    <a:masterClrMapping/>
+  </p:clrMapOvr>
+</p:notes>
+</file>
+
+<file path=ppt/notesSlides/notesSlide13.xml><?xml version="1.0" encoding="utf-8"?>
+<p:notes xmlns:a="http://schemas.openxmlformats.org/drawingml/2006/main" xmlns:r="http://schemas.openxmlformats.org/officeDocument/2006/relationships" xmlns:p="http://schemas.openxmlformats.org/presentationml/2006/main">
+  <p:cSld>
+    <p:spTree>
+      <p:nvGrpSpPr>
+        <p:cNvPr id="1" name=""/>
+        <p:cNvGrpSpPr/>
+        <p:nvPr/>
+      </p:nvGrpSpPr>
+      <p:grpSpPr>
+        <a:xfrm>
+          <a:off x="0" y="0"/>
+          <a:ext cx="0" cy="0"/>
+          <a:chOff x="0" y="0"/>
+          <a:chExt cx="0" cy="0"/>
+        </a:xfrm>
+      </p:grpSpPr>
+      <p:sp>
+        <p:nvSpPr>
+          <p:cNvPr id="2" name="Folienbildplatzhalter 1"/>
+          <p:cNvSpPr>
+            <a:spLocks noGrp="1" noRot="1" noChangeAspect="1"/>
+          </p:cNvSpPr>
+          <p:nvPr>
+            <p:ph type="sldImg"/>
+          </p:nvPr>
+        </p:nvSpPr>
+        <p:spPr/>
+      </p:sp>
+      <p:sp>
+        <p:nvSpPr>
+          <p:cNvPr id="3" name="Notizenplatzhalter 2"/>
+          <p:cNvSpPr>
+            <a:spLocks noGrp="1"/>
+          </p:cNvSpPr>
+          <p:nvPr>
+            <p:ph type="body" idx="1"/>
+          </p:nvPr>
+        </p:nvSpPr>
+        <p:spPr/>
+        <p:txBody>
+          <a:bodyPr/>
+          <a:lstStyle/>
+          <a:p>
+            <a:pPr marL="171450" indent="-171450">
+              <a:buFont typeface="Arial" panose="020B0604020202020204" pitchFamily="34" charset="0"/>
+              <a:buChar char="•"/>
+            </a:pPr>
+            <a:r>
+              <a:rPr lang="de-AT" dirty="0" err="1"/>
+              <a:t>Piconet</a:t>
+            </a:r>
+            <a:r>
+              <a:rPr lang="de-AT" dirty="0"/>
+              <a:t> == Netzwerk</a:t>
+            </a:r>
+          </a:p>
+          <a:p>
+            <a:pPr marL="171450" indent="-171450">
+              <a:buFont typeface="Arial" panose="020B0604020202020204" pitchFamily="34" charset="0"/>
+              <a:buChar char="•"/>
+            </a:pPr>
+            <a:r>
+              <a:rPr lang="de-AT" dirty="0"/>
+              <a:t>3 Bit Adresse</a:t>
+            </a:r>
+          </a:p>
+          <a:p>
+            <a:pPr marL="171450" indent="-171450">
+              <a:buFont typeface="Arial" panose="020B0604020202020204" pitchFamily="34" charset="0"/>
+              <a:buChar char="•"/>
+            </a:pPr>
+            <a:r>
+              <a:rPr lang="de-AT" dirty="0"/>
+              <a:t>Sende-Zeiteinheiten an die Slaves vergeben</a:t>
+            </a:r>
+          </a:p>
+          <a:p>
+            <a:pPr marL="171450" indent="-171450">
+              <a:buFont typeface="Arial" panose="020B0604020202020204" pitchFamily="34" charset="0"/>
+              <a:buChar char="•"/>
+            </a:pPr>
+            <a:r>
+              <a:rPr lang="de-AT" dirty="0"/>
+              <a:t>Client in mehreren Pico-Netzen jedoch nur 1 Master</a:t>
+            </a:r>
+          </a:p>
+        </p:txBody>
+      </p:sp>
+      <p:sp>
+        <p:nvSpPr>
+          <p:cNvPr id="4" name="Foliennummernplatzhalter 3"/>
+          <p:cNvSpPr>
+            <a:spLocks noGrp="1"/>
+          </p:cNvSpPr>
+          <p:nvPr>
+            <p:ph type="sldNum" sz="quarter" idx="5"/>
+          </p:nvPr>
+        </p:nvSpPr>
+        <p:spPr/>
+        <p:txBody>
+          <a:bodyPr/>
+          <a:lstStyle/>
+          <a:p>
+            <a:fld id="{F46B27C7-C0DA-49F9-A72E-BBC9AA678D9E}" type="slidenum">
+              <a:rPr lang="de-AT" smtClean="0"/>
+              <a:t>15</a:t>
+            </a:fld>
+            <a:endParaRPr lang="de-AT"/>
+          </a:p>
+        </p:txBody>
+      </p:sp>
+    </p:spTree>
+    <p:extLst>
+      <p:ext uri="{BB962C8B-B14F-4D97-AF65-F5344CB8AC3E}">
+        <p14:creationId xmlns:p14="http://schemas.microsoft.com/office/powerpoint/2010/main" val="2436074289"/>
+      </p:ext>
+    </p:extLst>
+  </p:cSld>
+  <p:clrMapOvr>
+    <a:masterClrMapping/>
+  </p:clrMapOvr>
+</p:notes>
+</file>
+
+<file path=ppt/notesSlides/notesSlide14.xml><?xml version="1.0" encoding="utf-8"?>
+<p:notes xmlns:a="http://schemas.openxmlformats.org/drawingml/2006/main" xmlns:r="http://schemas.openxmlformats.org/officeDocument/2006/relationships" xmlns:p="http://schemas.openxmlformats.org/presentationml/2006/main">
+  <p:cSld>
+    <p:spTree>
+      <p:nvGrpSpPr>
+        <p:cNvPr id="1" name=""/>
+        <p:cNvGrpSpPr/>
+        <p:nvPr/>
+      </p:nvGrpSpPr>
+      <p:grpSpPr>
+        <a:xfrm>
+          <a:off x="0" y="0"/>
+          <a:ext cx="0" cy="0"/>
+          <a:chOff x="0" y="0"/>
+          <a:chExt cx="0" cy="0"/>
+        </a:xfrm>
+      </p:grpSpPr>
+      <p:sp>
+        <p:nvSpPr>
+          <p:cNvPr id="2" name="Folienbildplatzhalter 1"/>
+          <p:cNvSpPr>
+            <a:spLocks noGrp="1" noRot="1" noChangeAspect="1"/>
+          </p:cNvSpPr>
+          <p:nvPr>
+            <p:ph type="sldImg"/>
+          </p:nvPr>
+        </p:nvSpPr>
+        <p:spPr/>
+      </p:sp>
+      <p:sp>
+        <p:nvSpPr>
+          <p:cNvPr id="3" name="Notizenplatzhalter 2"/>
+          <p:cNvSpPr>
+            <a:spLocks noGrp="1"/>
+          </p:cNvSpPr>
+          <p:nvPr>
+            <p:ph type="body" idx="1"/>
+          </p:nvPr>
+        </p:nvSpPr>
+        <p:spPr/>
+        <p:txBody>
+          <a:bodyPr/>
+          <a:lstStyle/>
+          <a:p>
+            <a:r>
+              <a:rPr lang="de-AT" dirty="0"/>
+              <a:t>Technisch mit Bluetooth vergleichbar</a:t>
+            </a:r>
+          </a:p>
+        </p:txBody>
+      </p:sp>
+      <p:sp>
+        <p:nvSpPr>
+          <p:cNvPr id="4" name="Foliennummernplatzhalter 3"/>
+          <p:cNvSpPr>
+            <a:spLocks noGrp="1"/>
+          </p:cNvSpPr>
+          <p:nvPr>
+            <p:ph type="sldNum" sz="quarter" idx="5"/>
+          </p:nvPr>
+        </p:nvSpPr>
+        <p:spPr/>
+        <p:txBody>
+          <a:bodyPr/>
+          <a:lstStyle/>
+          <a:p>
+            <a:fld id="{F46B27C7-C0DA-49F9-A72E-BBC9AA678D9E}" type="slidenum">
+              <a:rPr lang="de-AT" smtClean="0"/>
+              <a:t>16</a:t>
+            </a:fld>
+            <a:endParaRPr lang="de-AT"/>
+          </a:p>
+        </p:txBody>
+      </p:sp>
+    </p:spTree>
+    <p:extLst>
+      <p:ext uri="{BB962C8B-B14F-4D97-AF65-F5344CB8AC3E}">
+        <p14:creationId xmlns:p14="http://schemas.microsoft.com/office/powerpoint/2010/main" val="3111661653"/>
+      </p:ext>
+    </p:extLst>
+  </p:cSld>
+  <p:clrMapOvr>
+    <a:masterClrMapping/>
+  </p:clrMapOvr>
+</p:notes>
+</file>
+
+<file path=ppt/notesSlides/notesSlide15.xml><?xml version="1.0" encoding="utf-8"?>
+<p:notes xmlns:a="http://schemas.openxmlformats.org/drawingml/2006/main" xmlns:r="http://schemas.openxmlformats.org/officeDocument/2006/relationships" xmlns:p="http://schemas.openxmlformats.org/presentationml/2006/main">
+  <p:cSld>
+    <p:spTree>
+      <p:nvGrpSpPr>
+        <p:cNvPr id="1" name=""/>
+        <p:cNvGrpSpPr/>
+        <p:nvPr/>
+      </p:nvGrpSpPr>
+      <p:grpSpPr>
+        <a:xfrm>
+          <a:off x="0" y="0"/>
+          <a:ext cx="0" cy="0"/>
+          <a:chOff x="0" y="0"/>
+          <a:chExt cx="0" cy="0"/>
+        </a:xfrm>
+      </p:grpSpPr>
+      <p:sp>
+        <p:nvSpPr>
+          <p:cNvPr id="2" name="Folienbildplatzhalter 1"/>
+          <p:cNvSpPr>
+            <a:spLocks noGrp="1" noRot="1" noChangeAspect="1"/>
+          </p:cNvSpPr>
+          <p:nvPr>
+            <p:ph type="sldImg"/>
+          </p:nvPr>
+        </p:nvSpPr>
+        <p:spPr/>
+      </p:sp>
+      <p:sp>
+        <p:nvSpPr>
+          <p:cNvPr id="3" name="Notizenplatzhalter 2"/>
+          <p:cNvSpPr>
+            <a:spLocks noGrp="1"/>
+          </p:cNvSpPr>
+          <p:nvPr>
+            <p:ph type="body" idx="1"/>
+          </p:nvPr>
+        </p:nvSpPr>
+        <p:spPr/>
+        <p:txBody>
+          <a:bodyPr/>
+          <a:lstStyle/>
+          <a:p>
+            <a:pPr marL="171450" indent="-171450">
+              <a:buFont typeface="Arial" panose="020B0604020202020204" pitchFamily="34" charset="0"/>
+              <a:buChar char="•"/>
+            </a:pPr>
+            <a:r>
+              <a:rPr lang="de-AT" dirty="0"/>
+              <a:t>Z.B. Bargeldlos einkaufen</a:t>
+            </a:r>
+          </a:p>
+          <a:p>
+            <a:pPr marL="171450" indent="-171450" algn="l">
+              <a:buFont typeface="Arial" panose="020B0604020202020204" pitchFamily="34" charset="0"/>
+              <a:buChar char="•"/>
+            </a:pPr>
+            <a:r>
+              <a:rPr lang="de-AT" dirty="0"/>
+              <a:t>Lesegerät oder </a:t>
+            </a:r>
+            <a:r>
+              <a:rPr lang="de-AT" dirty="0" err="1"/>
+              <a:t>PEER-to-Peer</a:t>
+            </a:r>
+            <a:r>
+              <a:rPr lang="de-AT" dirty="0"/>
+              <a:t>-Modus</a:t>
+            </a:r>
+          </a:p>
+        </p:txBody>
+      </p:sp>
+      <p:sp>
+        <p:nvSpPr>
+          <p:cNvPr id="4" name="Foliennummernplatzhalter 3"/>
+          <p:cNvSpPr>
+            <a:spLocks noGrp="1"/>
+          </p:cNvSpPr>
+          <p:nvPr>
+            <p:ph type="sldNum" sz="quarter" idx="5"/>
+          </p:nvPr>
+        </p:nvSpPr>
+        <p:spPr/>
+        <p:txBody>
+          <a:bodyPr/>
+          <a:lstStyle/>
+          <a:p>
+            <a:fld id="{F46B27C7-C0DA-49F9-A72E-BBC9AA678D9E}" type="slidenum">
+              <a:rPr lang="de-AT" smtClean="0"/>
+              <a:t>17</a:t>
+            </a:fld>
+            <a:endParaRPr lang="de-AT"/>
+          </a:p>
+        </p:txBody>
+      </p:sp>
+    </p:spTree>
+    <p:extLst>
+      <p:ext uri="{BB962C8B-B14F-4D97-AF65-F5344CB8AC3E}">
+        <p14:creationId xmlns:p14="http://schemas.microsoft.com/office/powerpoint/2010/main" val="3120387954"/>
+      </p:ext>
+    </p:extLst>
+  </p:cSld>
+  <p:clrMapOvr>
+    <a:masterClrMapping/>
+  </p:clrMapOvr>
+</p:notes>
+</file>
+
+<file path=ppt/notesSlides/notesSlide16.xml><?xml version="1.0" encoding="utf-8"?>
+<p:notes xmlns:a="http://schemas.openxmlformats.org/drawingml/2006/main" xmlns:r="http://schemas.openxmlformats.org/officeDocument/2006/relationships" xmlns:p="http://schemas.openxmlformats.org/presentationml/2006/main">
+  <p:cSld>
+    <p:spTree>
+      <p:nvGrpSpPr>
+        <p:cNvPr id="1" name=""/>
+        <p:cNvGrpSpPr/>
+        <p:nvPr/>
+      </p:nvGrpSpPr>
+      <p:grpSpPr>
+        <a:xfrm>
+          <a:off x="0" y="0"/>
+          <a:ext cx="0" cy="0"/>
+          <a:chOff x="0" y="0"/>
+          <a:chExt cx="0" cy="0"/>
+        </a:xfrm>
+      </p:grpSpPr>
+      <p:sp>
+        <p:nvSpPr>
+          <p:cNvPr id="2" name="Folienbildplatzhalter 1"/>
+          <p:cNvSpPr>
+            <a:spLocks noGrp="1" noRot="1" noChangeAspect="1"/>
+          </p:cNvSpPr>
+          <p:nvPr>
+            <p:ph type="sldImg"/>
+          </p:nvPr>
+        </p:nvSpPr>
+        <p:spPr/>
+      </p:sp>
+      <p:sp>
+        <p:nvSpPr>
+          <p:cNvPr id="3" name="Notizenplatzhalter 2"/>
+          <p:cNvSpPr>
+            <a:spLocks noGrp="1"/>
+          </p:cNvSpPr>
+          <p:nvPr>
+            <p:ph type="body" idx="1"/>
+          </p:nvPr>
+        </p:nvSpPr>
+        <p:spPr/>
+        <p:txBody>
+          <a:bodyPr/>
+          <a:lstStyle/>
+          <a:p>
+            <a:pPr marL="171450" indent="-171450">
+              <a:buFont typeface="Arial" panose="020B0604020202020204" pitchFamily="34" charset="0"/>
+              <a:buChar char="•"/>
+            </a:pPr>
+            <a:r>
+              <a:rPr lang="de-AT" dirty="0"/>
+              <a:t>Spezifiziert wie sich Daten plattformübergreifend mit NFC austauschen lassen</a:t>
+            </a:r>
+          </a:p>
+          <a:p>
+            <a:pPr marL="171450" indent="-171450">
+              <a:buFont typeface="Arial" panose="020B0604020202020204" pitchFamily="34" charset="0"/>
+              <a:buChar char="•"/>
+            </a:pPr>
+            <a:r>
+              <a:rPr lang="de-AT" dirty="0"/>
+              <a:t>Ermöglicht den direkten Austausch von Daten zwischen zwei NFC-Geräten</a:t>
+            </a:r>
+          </a:p>
+          <a:p>
+            <a:pPr marL="171450" indent="-171450">
+              <a:buFont typeface="Arial" panose="020B0604020202020204" pitchFamily="34" charset="0"/>
+              <a:buChar char="•"/>
+            </a:pPr>
+            <a:r>
+              <a:rPr lang="de-AT" dirty="0"/>
+              <a:t>Hardware Schnittstelle zwischen SIM-Karte und NFC-Chip um NFC-Anwendungen in der SIM-Karte eines Mobilfunktelefons zu steuern</a:t>
+            </a:r>
           </a:p>
         </p:txBody>
       </p:sp>
@@ -937,50 +1401,118 @@
           <a:bodyPr/>
           <a:lstStyle/>
           <a:p>
-            <a:pPr marL="171450" indent="-171450">
-              <a:buFont typeface="Arial" panose="020B0604020202020204" pitchFamily="34" charset="0"/>
-              <a:buChar char="•"/>
+            <a:r>
+              <a:rPr lang="de-AT" sz="1200" u="none" strike="noStrike" kern="1200" dirty="0">
+                <a:solidFill>
+                  <a:schemeClr val="tx1"/>
+                </a:solidFill>
+                <a:effectLst/>
+                <a:latin typeface="+mn-lt"/>
+                <a:ea typeface="+mn-ea"/>
+                <a:cs typeface="+mn-cs"/>
+                <a:hlinkClick r:id="rId3"/>
+              </a:rPr>
+              <a:t>Institute of </a:t>
+            </a:r>
+            <a:r>
+              <a:rPr lang="de-AT" sz="1200" u="none" strike="noStrike" kern="1200" dirty="0" err="1">
+                <a:solidFill>
+                  <a:schemeClr val="tx1"/>
+                </a:solidFill>
+                <a:effectLst/>
+                <a:latin typeface="+mn-lt"/>
+                <a:ea typeface="+mn-ea"/>
+                <a:cs typeface="+mn-cs"/>
+                <a:hlinkClick r:id="rId3"/>
+              </a:rPr>
+              <a:t>Electrical</a:t>
+            </a:r>
+            <a:r>
+              <a:rPr lang="de-AT" sz="1200" u="none" strike="noStrike" kern="1200" dirty="0">
+                <a:solidFill>
+                  <a:schemeClr val="tx1"/>
+                </a:solidFill>
+                <a:effectLst/>
+                <a:latin typeface="+mn-lt"/>
+                <a:ea typeface="+mn-ea"/>
+                <a:cs typeface="+mn-cs"/>
+                <a:hlinkClick r:id="rId3"/>
+              </a:rPr>
+              <a:t> and Electronics Engineers</a:t>
+            </a:r>
+            <a:endParaRPr lang="de-AT" sz="1200" u="none" strike="noStrike" kern="1200" dirty="0">
+              <a:solidFill>
+                <a:schemeClr val="tx1"/>
+              </a:solidFill>
+              <a:effectLst/>
+              <a:latin typeface="+mn-lt"/>
+              <a:ea typeface="+mn-ea"/>
+              <a:cs typeface="+mn-cs"/>
+            </a:endParaRPr>
+          </a:p>
+          <a:p>
+            <a:pPr marL="0" marR="0" lvl="0" indent="0" algn="l" defTabSz="914400" rtl="0" eaLnBrk="1" fontAlgn="auto" latinLnBrk="0" hangingPunct="1">
+              <a:lnSpc>
+                <a:spcPct val="100000"/>
+              </a:lnSpc>
+              <a:spcBef>
+                <a:spcPts val="0"/>
+              </a:spcBef>
+              <a:spcAft>
+                <a:spcPts val="0"/>
+              </a:spcAft>
+              <a:buClrTx/>
+              <a:buSzTx/>
+              <a:buFontTx/>
+              <a:buNone/>
+              <a:tabLst/>
+              <a:defRPr/>
             </a:pPr>
             <a:r>
-              <a:rPr lang="de-AT" dirty="0"/>
-              <a:t>13 MHz </a:t>
-            </a:r>
-            <a:r>
-              <a:rPr lang="de-AT" dirty="0">
-                <a:sym typeface="Wingdings" panose="05000000000000000000" pitchFamily="2" charset="2"/>
+              <a:rPr lang="de-AT" sz="1200" kern="1200" dirty="0">
+                <a:solidFill>
+                  <a:schemeClr val="tx1"/>
+                </a:solidFill>
+                <a:effectLst/>
+                <a:latin typeface="+mn-lt"/>
+                <a:ea typeface="+mn-ea"/>
+                <a:cs typeface="+mn-cs"/>
               </a:rPr>
-              <a:t> somit ein weites Breitbandsignal, welches im Hintergrundrauschen verschwindet</a:t>
-            </a:r>
-          </a:p>
-          <a:p>
-            <a:pPr marL="171450" indent="-171450">
-              <a:buFont typeface="Arial" panose="020B0604020202020204" pitchFamily="34" charset="0"/>
-              <a:buChar char="•"/>
+              <a:t>Die heute verwendeten Normen sind: 802.11a, 802.11b, 802.11g, 802.11n, 802.11ac. </a:t>
+            </a:r>
+          </a:p>
+          <a:p>
+            <a:pPr marL="0" marR="0" lvl="0" indent="0" algn="l" defTabSz="914400" rtl="0" eaLnBrk="1" fontAlgn="auto" latinLnBrk="0" hangingPunct="1">
+              <a:lnSpc>
+                <a:spcPct val="100000"/>
+              </a:lnSpc>
+              <a:spcBef>
+                <a:spcPts val="0"/>
+              </a:spcBef>
+              <a:spcAft>
+                <a:spcPts val="0"/>
+              </a:spcAft>
+              <a:buClrTx/>
+              <a:buSzTx/>
+              <a:buFontTx/>
+              <a:buNone/>
+              <a:tabLst/>
+              <a:defRPr/>
             </a:pPr>
             <a:r>
-              <a:rPr lang="de-AT" dirty="0">
-                <a:sym typeface="Wingdings" panose="05000000000000000000" pitchFamily="2" charset="2"/>
+              <a:rPr lang="de-AT" sz="1200" kern="1200" dirty="0">
+                <a:solidFill>
+                  <a:schemeClr val="tx1"/>
+                </a:solidFill>
+                <a:effectLst/>
+                <a:latin typeface="+mn-lt"/>
+                <a:ea typeface="+mn-ea"/>
+                <a:cs typeface="+mn-cs"/>
               </a:rPr>
-              <a:t>Demodulation nur durch Verwendung der richtigen Chip-Sequenz rekonstruiert werden  </a:t>
-            </a:r>
-          </a:p>
-          <a:p>
-            <a:pPr marL="171450" indent="-171450">
-              <a:buFont typeface="Arial" panose="020B0604020202020204" pitchFamily="34" charset="0"/>
-              <a:buChar char="•"/>
-            </a:pPr>
-            <a:r>
-              <a:rPr lang="de-AT" dirty="0">
-                <a:sym typeface="Wingdings" panose="05000000000000000000" pitchFamily="2" charset="2"/>
-              </a:rPr>
-              <a:t>Durch 11 Mbit/s bis heute durchgesetzt</a:t>
-            </a:r>
-          </a:p>
-          <a:p>
-            <a:pPr marL="171450" indent="-171450">
-              <a:buFont typeface="Arial" panose="020B0604020202020204" pitchFamily="34" charset="0"/>
-              <a:buChar char="•"/>
-            </a:pPr>
+              <a:t>Die neueste Norm ist 802.11ay und 802.11az die 2019 und 2021 herauskommen werden. </a:t>
+            </a:r>
+          </a:p>
+          <a:p>
             <a:endParaRPr lang="de-AT" dirty="0"/>
           </a:p>
         </p:txBody>
@@ -1002,7 +1534,7 @@
           <a:p>
             <a:fld id="{F46B27C7-C0DA-49F9-A72E-BBC9AA678D9E}" type="slidenum">
               <a:rPr lang="de-AT" smtClean="0"/>
-              <a:t>8</a:t>
+              <a:t>3</a:t>
             </a:fld>
             <a:endParaRPr lang="de-AT"/>
           </a:p>
@@ -1011,7 +1543,7 @@
     </p:spTree>
     <p:extLst>
       <p:ext uri="{BB962C8B-B14F-4D97-AF65-F5344CB8AC3E}">
-        <p14:creationId xmlns:p14="http://schemas.microsoft.com/office/powerpoint/2010/main" val="3143786929"/>
+        <p14:creationId xmlns:p14="http://schemas.microsoft.com/office/powerpoint/2010/main" val="2807784798"/>
       </p:ext>
     </p:extLst>
   </p:cSld>
@@ -1070,19 +1602,18 @@
               <a:buChar char="•"/>
             </a:pPr>
             <a:r>
-              <a:rPr lang="de-AT" dirty="0"/>
-              <a:t>Durch die Aufspaltung in mehrere Sub-Kanäle weder weniger fehlerhafte Bits übertragen </a:t>
-            </a:r>
-          </a:p>
-          <a:p>
-            <a:pPr marL="171450" indent="-171450">
-              <a:buFont typeface="Arial" panose="020B0604020202020204" pitchFamily="34" charset="0"/>
-              <a:buChar char="•"/>
-            </a:pPr>
-            <a:r>
-              <a:rPr lang="de-AT" dirty="0"/>
-              <a:t>Herkömmliche Verfahren haben relativ große Abstände zwischen den Unterfrequenzen und somit inneffiziente Nutzung</a:t>
-            </a:r>
+              <a:rPr lang="de-AT" sz="1200" kern="1200" dirty="0">
+                <a:solidFill>
+                  <a:schemeClr val="tx1"/>
+                </a:solidFill>
+                <a:effectLst/>
+                <a:latin typeface="+mn-lt"/>
+                <a:ea typeface="+mn-ea"/>
+                <a:cs typeface="+mn-cs"/>
+              </a:rPr>
+              <a:t>da nur 4 brauchbare Kanäle zur Verfügung stehen (Kanäle 1, 5, 9)</a:t>
+            </a:r>
+            <a:endParaRPr lang="de-AT" dirty="0"/>
           </a:p>
         </p:txBody>
       </p:sp>
@@ -1103,7 +1634,7 @@
           <a:p>
             <a:fld id="{F46B27C7-C0DA-49F9-A72E-BBC9AA678D9E}" type="slidenum">
               <a:rPr lang="de-AT" smtClean="0"/>
-              <a:t>9</a:t>
+              <a:t>4</a:t>
             </a:fld>
             <a:endParaRPr lang="de-AT"/>
           </a:p>
@@ -1112,7 +1643,7 @@
     </p:spTree>
     <p:extLst>
       <p:ext uri="{BB962C8B-B14F-4D97-AF65-F5344CB8AC3E}">
-        <p14:creationId xmlns:p14="http://schemas.microsoft.com/office/powerpoint/2010/main" val="1408469663"/>
+        <p14:creationId xmlns:p14="http://schemas.microsoft.com/office/powerpoint/2010/main" val="1803293077"/>
       </p:ext>
     </p:extLst>
   </p:cSld>
@@ -1167,16 +1698,18 @@
           <a:lstStyle/>
           <a:p>
             <a:r>
-              <a:rPr lang="de-AT" dirty="0"/>
-              <a:t>PCF </a:t>
-            </a:r>
-            <a:r>
-              <a:rPr lang="de-AT" dirty="0">
-                <a:sym typeface="Wingdings" panose="05000000000000000000" pitchFamily="2" charset="2"/>
+              <a:rPr lang="de-AT" sz="1200" kern="1200">
+                <a:solidFill>
+                  <a:schemeClr val="tx1"/>
+                </a:solidFill>
+                <a:effectLst/>
+                <a:latin typeface="+mn-lt"/>
+                <a:ea typeface="+mn-ea"/>
+                <a:cs typeface="+mn-cs"/>
               </a:rPr>
-              <a:t> optionales Verfahren um zeitkritischen Diensten priorisierten Zugriff zu gewähren. </a:t>
-            </a:r>
-            <a:endParaRPr lang="de-AT" dirty="0"/>
+              <a:t>automatische Kanalwechsel, falls auf dem verwendeten Kanal ein anderes Gerät erkannt wurde</a:t>
+            </a:r>
+            <a:endParaRPr lang="de-AT"/>
           </a:p>
         </p:txBody>
       </p:sp>
@@ -1197,7 +1730,7 @@
           <a:p>
             <a:fld id="{F46B27C7-C0DA-49F9-A72E-BBC9AA678D9E}" type="slidenum">
               <a:rPr lang="de-AT" smtClean="0"/>
-              <a:t>10</a:t>
+              <a:t>5</a:t>
             </a:fld>
             <a:endParaRPr lang="de-AT"/>
           </a:p>
@@ -1206,7 +1739,7 @@
     </p:spTree>
     <p:extLst>
       <p:ext uri="{BB962C8B-B14F-4D97-AF65-F5344CB8AC3E}">
-        <p14:creationId xmlns:p14="http://schemas.microsoft.com/office/powerpoint/2010/main" val="2394266452"/>
+        <p14:creationId xmlns:p14="http://schemas.microsoft.com/office/powerpoint/2010/main" val="3451929158"/>
       </p:ext>
     </p:extLst>
   </p:cSld>
@@ -1266,7 +1799,7 @@
             </a:pPr>
             <a:r>
               <a:rPr lang="de-AT" dirty="0"/>
-              <a:t>Vor Übertragung abhören </a:t>
+              <a:t>Abhören der Information ist nur möglich, wenn die Sendefrequenz bekannt ist </a:t>
             </a:r>
           </a:p>
           <a:p>
@@ -1276,62 +1809,10 @@
             </a:pPr>
             <a:r>
               <a:rPr lang="de-AT" dirty="0"/>
-              <a:t>Nicht Belegt </a:t>
-            </a:r>
-            <a:r>
-              <a:rPr lang="de-AT" dirty="0">
-                <a:sym typeface="Wingdings" panose="05000000000000000000" pitchFamily="2" charset="2"/>
-              </a:rPr>
-              <a:t> nach Abhörzeit (DIFS) das Senden auf diesem Kanal beginnen. Die Versendung der Quittung erfolgt nach der Wartezeit (SIFS). (konstante Länge so dass alle Stationen im gleichen Takt arbeiten. </a:t>
-            </a:r>
-          </a:p>
-          <a:p>
-            <a:pPr marL="171450" indent="-171450">
-              <a:buFont typeface="Arial" panose="020B0604020202020204" pitchFamily="34" charset="0"/>
-              <a:buChar char="•"/>
-            </a:pPr>
-            <a:r>
-              <a:rPr lang="de-AT" dirty="0">
-                <a:sym typeface="Wingdings" panose="05000000000000000000" pitchFamily="2" charset="2"/>
-              </a:rPr>
-              <a:t>Belegt  Übertragung in einen Wartezyklus  nach Ablauf der Wartezeit wird das Medium kontrolliert. </a:t>
-            </a:r>
-          </a:p>
-          <a:p>
-            <a:pPr marL="171450" indent="-171450">
-              <a:buFont typeface="Arial" panose="020B0604020202020204" pitchFamily="34" charset="0"/>
-              <a:buChar char="•"/>
-            </a:pPr>
-            <a:r>
-              <a:rPr lang="de-AT" dirty="0">
-                <a:sym typeface="Wingdings" panose="05000000000000000000" pitchFamily="2" charset="2"/>
-              </a:rPr>
-              <a:t>Durch </a:t>
-            </a:r>
-            <a:r>
-              <a:rPr lang="de-AT" dirty="0" err="1">
-                <a:sym typeface="Wingdings" panose="05000000000000000000" pitchFamily="2" charset="2"/>
-              </a:rPr>
-              <a:t>hidden</a:t>
-            </a:r>
-            <a:r>
-              <a:rPr lang="de-AT" dirty="0">
-                <a:sym typeface="Wingdings" panose="05000000000000000000" pitchFamily="2" charset="2"/>
-              </a:rPr>
-              <a:t> </a:t>
-            </a:r>
-            <a:r>
-              <a:rPr lang="de-AT" dirty="0" err="1">
-                <a:sym typeface="Wingdings" panose="05000000000000000000" pitchFamily="2" charset="2"/>
-              </a:rPr>
-              <a:t>nots</a:t>
-            </a:r>
-            <a:r>
-              <a:rPr lang="de-AT" dirty="0">
-                <a:sym typeface="Wingdings" panose="05000000000000000000" pitchFamily="2" charset="2"/>
-              </a:rPr>
-              <a:t> muss ein RTS-Frame verwendet werden. Infos über Dauer der Übertragung. Die Sender bestätigen mit einem CTS-Frame.  </a:t>
-            </a:r>
+              <a:t>Wenige halten am FHSS Verfahren fest (2 Mbit/s)</a:t>
+            </a:r>
+          </a:p>
+          <a:p>
             <a:endParaRPr lang="de-AT" dirty="0"/>
           </a:p>
         </p:txBody>
@@ -1353,7 +1834,7 @@
           <a:p>
             <a:fld id="{F46B27C7-C0DA-49F9-A72E-BBC9AA678D9E}" type="slidenum">
               <a:rPr lang="de-AT" smtClean="0"/>
-              <a:t>11</a:t>
+              <a:t>7</a:t>
             </a:fld>
             <a:endParaRPr lang="de-AT"/>
           </a:p>
@@ -1362,7 +1843,7 @@
     </p:spTree>
     <p:extLst>
       <p:ext uri="{BB962C8B-B14F-4D97-AF65-F5344CB8AC3E}">
-        <p14:creationId xmlns:p14="http://schemas.microsoft.com/office/powerpoint/2010/main" val="2079916971"/>
+        <p14:creationId xmlns:p14="http://schemas.microsoft.com/office/powerpoint/2010/main" val="986746506"/>
       </p:ext>
     </p:extLst>
   </p:cSld>
@@ -1422,7 +1903,13 @@
             </a:pPr>
             <a:r>
               <a:rPr lang="de-AT" dirty="0"/>
-              <a:t>Der IEEE Standard lässt verschiedene Kombinationen offen</a:t>
+              <a:t>13 MHz </a:t>
+            </a:r>
+            <a:r>
+              <a:rPr lang="de-AT" dirty="0">
+                <a:sym typeface="Wingdings" panose="05000000000000000000" pitchFamily="2" charset="2"/>
+              </a:rPr>
+              <a:t> somit ein weites Breitbandsignal, welches im Hintergrundrauschen verschwindet</a:t>
             </a:r>
           </a:p>
           <a:p>
@@ -1431,8 +1918,10 @@
               <a:buChar char="•"/>
             </a:pPr>
             <a:r>
-              <a:rPr lang="de-AT" dirty="0"/>
-              <a:t>Direkte Verbindung von mobilen Stationen ohne Zugangspunkt (einfachste Weg)</a:t>
+              <a:rPr lang="de-AT" dirty="0">
+                <a:sym typeface="Wingdings" panose="05000000000000000000" pitchFamily="2" charset="2"/>
+              </a:rPr>
+              <a:t>Demodulation nur durch Verwendung der richtigen Chip-Sequenz rekonstruiert werden  </a:t>
             </a:r>
           </a:p>
           <a:p>
@@ -1441,16 +1930,10 @@
               <a:buChar char="•"/>
             </a:pPr>
             <a:r>
-              <a:rPr lang="de-AT" dirty="0"/>
-              <a:t>Kombi; benötigt einen Access-Point der den Datenverkehr koordiniert (Vermittlung zwischen Lan und </a:t>
-            </a:r>
-            <a:r>
-              <a:rPr lang="de-AT" dirty="0" err="1"/>
-              <a:t>Wlan</a:t>
-            </a:r>
-            <a:r>
-              <a:rPr lang="de-AT" dirty="0"/>
-              <a:t>)</a:t>
+              <a:rPr lang="de-AT" dirty="0">
+                <a:sym typeface="Wingdings" panose="05000000000000000000" pitchFamily="2" charset="2"/>
+              </a:rPr>
+              <a:t>Durch 11 Mbit/s bis heute durchgesetzt</a:t>
             </a:r>
           </a:p>
           <a:p>
@@ -1458,10 +1941,7 @@
               <a:buFont typeface="Arial" panose="020B0604020202020204" pitchFamily="34" charset="0"/>
               <a:buChar char="•"/>
             </a:pPr>
-            <a:r>
-              <a:rPr lang="de-AT" dirty="0"/>
-              <a:t>Konfiguration muss nicht geändert werden </a:t>
-            </a:r>
+            <a:endParaRPr lang="de-AT" dirty="0"/>
           </a:p>
         </p:txBody>
       </p:sp>
@@ -1482,7 +1962,7 @@
           <a:p>
             <a:fld id="{F46B27C7-C0DA-49F9-A72E-BBC9AA678D9E}" type="slidenum">
               <a:rPr lang="de-AT" smtClean="0"/>
-              <a:t>12</a:t>
+              <a:t>8</a:t>
             </a:fld>
             <a:endParaRPr lang="de-AT"/>
           </a:p>
@@ -1491,7 +1971,7 @@
     </p:spTree>
     <p:extLst>
       <p:ext uri="{BB962C8B-B14F-4D97-AF65-F5344CB8AC3E}">
-        <p14:creationId xmlns:p14="http://schemas.microsoft.com/office/powerpoint/2010/main" val="1536046860"/>
+        <p14:creationId xmlns:p14="http://schemas.microsoft.com/office/powerpoint/2010/main" val="3143786929"/>
       </p:ext>
     </p:extLst>
   </p:cSld>
@@ -1551,7 +2031,7 @@
             </a:pPr>
             <a:r>
               <a:rPr lang="de-AT" dirty="0"/>
-              <a:t>Nur fast 17.000 Kombinationen; gilt seit 2001 als geknackt</a:t>
+              <a:t>Durch die Aufspaltung in mehrere Sub-Kanäle weder weniger fehlerhafte Bits übertragen </a:t>
             </a:r>
           </a:p>
           <a:p>
@@ -1561,17 +2041,7 @@
             </a:pPr>
             <a:r>
               <a:rPr lang="de-AT" dirty="0"/>
-              <a:t>Für jedes Datenpaket einen eigenen Key</a:t>
-            </a:r>
-          </a:p>
-          <a:p>
-            <a:pPr marL="171450" indent="-171450">
-              <a:buFont typeface="Arial" panose="020B0604020202020204" pitchFamily="34" charset="0"/>
-              <a:buChar char="•"/>
-            </a:pPr>
-            <a:r>
-              <a:rPr lang="de-AT" dirty="0"/>
-              <a:t>Verwendet AES und CCMP zur Verschlüsselung</a:t>
+              <a:t>Herkömmliche Verfahren haben relativ große Abstände zwischen den Unterfrequenzen und somit inneffiziente Nutzung</a:t>
             </a:r>
           </a:p>
         </p:txBody>
@@ -1593,7 +2063,7 @@
           <a:p>
             <a:fld id="{F46B27C7-C0DA-49F9-A72E-BBC9AA678D9E}" type="slidenum">
               <a:rPr lang="de-AT" smtClean="0"/>
-              <a:t>13</a:t>
+              <a:t>9</a:t>
             </a:fld>
             <a:endParaRPr lang="de-AT"/>
           </a:p>
@@ -1602,7 +2072,7 @@
     </p:spTree>
     <p:extLst>
       <p:ext uri="{BB962C8B-B14F-4D97-AF65-F5344CB8AC3E}">
-        <p14:creationId xmlns:p14="http://schemas.microsoft.com/office/powerpoint/2010/main" val="333672939"/>
+        <p14:creationId xmlns:p14="http://schemas.microsoft.com/office/powerpoint/2010/main" val="1408469663"/>
       </p:ext>
     </p:extLst>
   </p:cSld>
@@ -1656,40 +2126,16 @@
           <a:bodyPr/>
           <a:lstStyle/>
           <a:p>
-            <a:pPr marL="171450" indent="-171450">
-              <a:buFont typeface="Arial" panose="020B0604020202020204" pitchFamily="34" charset="0"/>
-              <a:buChar char="•"/>
-            </a:pPr>
             <a:r>
               <a:rPr lang="de-AT" dirty="0"/>
-              <a:t>Wird aber heute nicht mehr unterstützt</a:t>
-            </a:r>
-          </a:p>
-          <a:p>
-            <a:pPr marL="171450" indent="-171450">
-              <a:buFont typeface="Arial" panose="020B0604020202020204" pitchFamily="34" charset="0"/>
-              <a:buChar char="•"/>
-            </a:pPr>
-            <a:r>
-              <a:rPr lang="de-AT" dirty="0"/>
-              <a:t>Datenpaket auf 79 Einzelkanäle mit einer Frequenz von 1 MHz aufgeteilt und übertragen. </a:t>
-            </a:r>
-          </a:p>
-          <a:p>
-            <a:pPr marL="171450" indent="-171450">
-              <a:buFont typeface="Arial" panose="020B0604020202020204" pitchFamily="34" charset="0"/>
-              <a:buChar char="•"/>
-            </a:pPr>
-            <a:r>
-              <a:rPr lang="de-AT" dirty="0"/>
-              <a:t>Nach senden eines Datenpakets wird die Frequenz geändert</a:t>
-            </a:r>
-          </a:p>
-          <a:p>
-            <a:pPr marL="171450" indent="-171450">
-              <a:buFont typeface="Arial" panose="020B0604020202020204" pitchFamily="34" charset="0"/>
-              <a:buChar char="•"/>
-            </a:pPr>
+              <a:t>PCF </a:t>
+            </a:r>
+            <a:r>
+              <a:rPr lang="de-AT" dirty="0">
+                <a:sym typeface="Wingdings" panose="05000000000000000000" pitchFamily="2" charset="2"/>
+              </a:rPr>
+              <a:t> optionales Verfahren um zeitkritischen Diensten priorisierten Zugriff zu gewähren. </a:t>
+            </a:r>
             <a:endParaRPr lang="de-AT" dirty="0"/>
           </a:p>
         </p:txBody>
@@ -1711,7 +2157,7 @@
           <a:p>
             <a:fld id="{F46B27C7-C0DA-49F9-A72E-BBC9AA678D9E}" type="slidenum">
               <a:rPr lang="de-AT" smtClean="0"/>
-              <a:t>14</a:t>
+              <a:t>10</a:t>
             </a:fld>
             <a:endParaRPr lang="de-AT"/>
           </a:p>
@@ -1720,7 +2166,7 @@
     </p:spTree>
     <p:extLst>
       <p:ext uri="{BB962C8B-B14F-4D97-AF65-F5344CB8AC3E}">
-        <p14:creationId xmlns:p14="http://schemas.microsoft.com/office/powerpoint/2010/main" val="643171319"/>
+        <p14:creationId xmlns:p14="http://schemas.microsoft.com/office/powerpoint/2010/main" val="2394266452"/>
       </p:ext>
     </p:extLst>
   </p:cSld>
@@ -1779,12 +2225,8 @@
               <a:buChar char="•"/>
             </a:pPr>
             <a:r>
-              <a:rPr lang="de-AT" dirty="0" err="1"/>
-              <a:t>Piconet</a:t>
-            </a:r>
-            <a:r>
               <a:rPr lang="de-AT" dirty="0"/>
-              <a:t> == Netzwerk</a:t>
+              <a:t>Vor Übertragung abhören </a:t>
             </a:r>
           </a:p>
           <a:p>
@@ -1794,7 +2236,13 @@
             </a:pPr>
             <a:r>
               <a:rPr lang="de-AT" dirty="0"/>
-              <a:t>3 Bit Adresse</a:t>
+              <a:t>Nicht Belegt </a:t>
+            </a:r>
+            <a:r>
+              <a:rPr lang="de-AT" dirty="0">
+                <a:sym typeface="Wingdings" panose="05000000000000000000" pitchFamily="2" charset="2"/>
+              </a:rPr>
+              <a:t> nach Abhörzeit (DIFS) das Senden auf diesem Kanal beginnen. Die Versendung der Quittung erfolgt nach der Wartezeit (SIFS). (konstante Länge so dass alle Stationen im gleichen Takt arbeiten. </a:t>
             </a:r>
           </a:p>
           <a:p>
@@ -1803,8 +2251,10 @@
               <a:buChar char="•"/>
             </a:pPr>
             <a:r>
-              <a:rPr lang="de-AT" dirty="0"/>
-              <a:t>Sende-Zeiteinheiten an die Slaves vergeben</a:t>
+              <a:rPr lang="de-AT" dirty="0">
+                <a:sym typeface="Wingdings" panose="05000000000000000000" pitchFamily="2" charset="2"/>
+              </a:rPr>
+              <a:t>Belegt  Übertragung in einen Wartezyklus  nach Ablauf der Wartezeit wird das Medium kontrolliert. </a:t>
             </a:r>
           </a:p>
           <a:p>
@@ -1813,9 +2263,36 @@
               <a:buChar char="•"/>
             </a:pPr>
             <a:r>
-              <a:rPr lang="de-AT" dirty="0"/>
-              <a:t>Client in mehreren Pico-Netzen jedoch nur 1 Master</a:t>
-            </a:r>
+              <a:rPr lang="de-AT" dirty="0">
+                <a:sym typeface="Wingdings" panose="05000000000000000000" pitchFamily="2" charset="2"/>
+              </a:rPr>
+              <a:t>Durch </a:t>
+            </a:r>
+            <a:r>
+              <a:rPr lang="de-AT" dirty="0" err="1">
+                <a:sym typeface="Wingdings" panose="05000000000000000000" pitchFamily="2" charset="2"/>
+              </a:rPr>
+              <a:t>hidden</a:t>
+            </a:r>
+            <a:r>
+              <a:rPr lang="de-AT" dirty="0">
+                <a:sym typeface="Wingdings" panose="05000000000000000000" pitchFamily="2" charset="2"/>
+              </a:rPr>
+              <a:t> </a:t>
+            </a:r>
+            <a:r>
+              <a:rPr lang="de-AT" dirty="0" err="1">
+                <a:sym typeface="Wingdings" panose="05000000000000000000" pitchFamily="2" charset="2"/>
+              </a:rPr>
+              <a:t>nots</a:t>
+            </a:r>
+            <a:r>
+              <a:rPr lang="de-AT" dirty="0">
+                <a:sym typeface="Wingdings" panose="05000000000000000000" pitchFamily="2" charset="2"/>
+              </a:rPr>
+              <a:t> muss ein RTS-Frame verwendet werden. Infos über Dauer der Übertragung. Die Sender bestätigen mit einem CTS-Frame.  </a:t>
+            </a:r>
+            <a:endParaRPr lang="de-AT" dirty="0"/>
           </a:p>
         </p:txBody>
       </p:sp>
@@ -1836,7 +2313,7 @@
           <a:p>
             <a:fld id="{F46B27C7-C0DA-49F9-A72E-BBC9AA678D9E}" type="slidenum">
               <a:rPr lang="de-AT" smtClean="0"/>
-              <a:t>15</a:t>
+              <a:t>11</a:t>
             </a:fld>
             <a:endParaRPr lang="de-AT"/>
           </a:p>
@@ -1845,7 +2322,7 @@
     </p:spTree>
     <p:extLst>
       <p:ext uri="{BB962C8B-B14F-4D97-AF65-F5344CB8AC3E}">
-        <p14:creationId xmlns:p14="http://schemas.microsoft.com/office/powerpoint/2010/main" val="2436074289"/>
+        <p14:creationId xmlns:p14="http://schemas.microsoft.com/office/powerpoint/2010/main" val="2079916971"/>
       </p:ext>
     </p:extLst>
   </p:cSld>
@@ -2069,7 +2546,7 @@
             <a:fld id="{B61BEF0D-F0BB-DE4B-95CE-6DB70DBA9567}" type="datetimeFigureOut">
               <a:rPr lang="en-US" dirty="0"/>
               <a:pPr/>
-              <a:t>11/27/2018</a:t>
+              <a:t>11/29/2018</a:t>
             </a:fld>
             <a:endParaRPr lang="en-US" dirty="0"/>
           </a:p>
@@ -2357,7 +2834,7 @@
             <a:fld id="{B61BEF0D-F0BB-DE4B-95CE-6DB70DBA9567}" type="datetimeFigureOut">
               <a:rPr lang="en-US" dirty="0"/>
               <a:pPr/>
-              <a:t>11/27/2018</a:t>
+              <a:t>11/29/2018</a:t>
             </a:fld>
             <a:endParaRPr lang="en-US" dirty="0"/>
           </a:p>
@@ -2613,7 +3090,7 @@
             <a:fld id="{B61BEF0D-F0BB-DE4B-95CE-6DB70DBA9567}" type="datetimeFigureOut">
               <a:rPr lang="en-US" dirty="0"/>
               <a:pPr/>
-              <a:t>11/27/2018</a:t>
+              <a:t>11/29/2018</a:t>
             </a:fld>
             <a:endParaRPr lang="en-US" dirty="0"/>
           </a:p>
@@ -3079,7 +3556,7 @@
             <a:fld id="{B61BEF0D-F0BB-DE4B-95CE-6DB70DBA9567}" type="datetimeFigureOut">
               <a:rPr lang="en-US" dirty="0"/>
               <a:pPr/>
-              <a:t>11/27/2018</a:t>
+              <a:t>11/29/2018</a:t>
             </a:fld>
             <a:endParaRPr lang="en-US" dirty="0"/>
           </a:p>
@@ -3256,7 +3733,7 @@
             <a:fld id="{B61BEF0D-F0BB-DE4B-95CE-6DB70DBA9567}" type="datetimeFigureOut">
               <a:rPr lang="en-US" dirty="0"/>
               <a:pPr/>
-              <a:t>11/27/2018</a:t>
+              <a:t>11/29/2018</a:t>
             </a:fld>
             <a:endParaRPr lang="en-US" dirty="0"/>
           </a:p>
@@ -3829,7 +4306,7 @@
             <a:fld id="{B61BEF0D-F0BB-DE4B-95CE-6DB70DBA9567}" type="datetimeFigureOut">
               <a:rPr lang="en-US" dirty="0"/>
               <a:pPr/>
-              <a:t>11/27/2018</a:t>
+              <a:t>11/29/2018</a:t>
             </a:fld>
             <a:endParaRPr lang="en-US" dirty="0"/>
           </a:p>
@@ -4158,7 +4635,7 @@
             <a:fld id="{B61BEF0D-F0BB-DE4B-95CE-6DB70DBA9567}" type="datetimeFigureOut">
               <a:rPr lang="en-US" dirty="0"/>
               <a:pPr/>
-              <a:t>11/27/2018</a:t>
+              <a:t>11/29/2018</a:t>
             </a:fld>
             <a:endParaRPr lang="en-US" dirty="0"/>
           </a:p>
@@ -4330,7 +4807,7 @@
             <a:fld id="{B61BEF0D-F0BB-DE4B-95CE-6DB70DBA9567}" type="datetimeFigureOut">
               <a:rPr lang="en-US" dirty="0"/>
               <a:pPr/>
-              <a:t>11/27/2018</a:t>
+              <a:t>11/29/2018</a:t>
             </a:fld>
             <a:endParaRPr lang="en-US" dirty="0"/>
           </a:p>
@@ -4507,7 +4984,7 @@
             <a:fld id="{B61BEF0D-F0BB-DE4B-95CE-6DB70DBA9567}" type="datetimeFigureOut">
               <a:rPr lang="en-US" dirty="0"/>
               <a:pPr/>
-              <a:t>11/27/2018</a:t>
+              <a:t>11/29/2018</a:t>
             </a:fld>
             <a:endParaRPr lang="en-US" dirty="0"/>
           </a:p>
@@ -4674,7 +5151,7 @@
             <a:fld id="{B61BEF0D-F0BB-DE4B-95CE-6DB70DBA9567}" type="datetimeFigureOut">
               <a:rPr lang="en-US" dirty="0"/>
               <a:pPr/>
-              <a:t>11/27/2018</a:t>
+              <a:t>11/29/2018</a:t>
             </a:fld>
             <a:endParaRPr lang="en-US" dirty="0"/>
           </a:p>
@@ -4928,7 +5405,7 @@
             <a:fld id="{B61BEF0D-F0BB-DE4B-95CE-6DB70DBA9567}" type="datetimeFigureOut">
               <a:rPr lang="en-US" dirty="0"/>
               <a:pPr/>
-              <a:t>11/27/2018</a:t>
+              <a:t>11/29/2018</a:t>
             </a:fld>
             <a:endParaRPr lang="en-US" dirty="0"/>
           </a:p>
@@ -5217,7 +5694,7 @@
             <a:fld id="{B61BEF0D-F0BB-DE4B-95CE-6DB70DBA9567}" type="datetimeFigureOut">
               <a:rPr lang="en-US" dirty="0"/>
               <a:pPr/>
-              <a:t>11/27/2018</a:t>
+              <a:t>11/29/2018</a:t>
             </a:fld>
             <a:endParaRPr lang="en-US" dirty="0"/>
           </a:p>
@@ -5644,7 +6121,7 @@
             <a:fld id="{B61BEF0D-F0BB-DE4B-95CE-6DB70DBA9567}" type="datetimeFigureOut">
               <a:rPr lang="en-US" dirty="0"/>
               <a:pPr/>
-              <a:t>11/27/2018</a:t>
+              <a:t>11/29/2018</a:t>
             </a:fld>
             <a:endParaRPr lang="en-US" dirty="0"/>
           </a:p>
@@ -5759,7 +6236,7 @@
             <a:fld id="{B61BEF0D-F0BB-DE4B-95CE-6DB70DBA9567}" type="datetimeFigureOut">
               <a:rPr lang="en-US" dirty="0"/>
               <a:pPr/>
-              <a:t>11/27/2018</a:t>
+              <a:t>11/29/2018</a:t>
             </a:fld>
             <a:endParaRPr lang="en-US" dirty="0"/>
           </a:p>
@@ -5851,7 +6328,7 @@
             <a:fld id="{B61BEF0D-F0BB-DE4B-95CE-6DB70DBA9567}" type="datetimeFigureOut">
               <a:rPr lang="en-US" dirty="0"/>
               <a:pPr/>
-              <a:t>11/27/2018</a:t>
+              <a:t>11/29/2018</a:t>
             </a:fld>
             <a:endParaRPr lang="en-US" dirty="0"/>
           </a:p>
@@ -6131,7 +6608,7 @@
             <a:fld id="{B61BEF0D-F0BB-DE4B-95CE-6DB70DBA9567}" type="datetimeFigureOut">
               <a:rPr lang="en-US" dirty="0"/>
               <a:pPr/>
-              <a:t>11/27/2018</a:t>
+              <a:t>11/29/2018</a:t>
             </a:fld>
             <a:endParaRPr lang="en-US" dirty="0"/>
           </a:p>
@@ -6419,7 +6896,7 @@
             <a:fld id="{B61BEF0D-F0BB-DE4B-95CE-6DB70DBA9567}" type="datetimeFigureOut">
               <a:rPr lang="en-US" dirty="0"/>
               <a:pPr/>
-              <a:t>11/27/2018</a:t>
+              <a:t>11/29/2018</a:t>
             </a:fld>
             <a:endParaRPr lang="en-US" dirty="0"/>
           </a:p>
@@ -6647,7 +7124,7 @@
             <a:fld id="{B61BEF0D-F0BB-DE4B-95CE-6DB70DBA9567}" type="datetimeFigureOut">
               <a:rPr lang="en-US" dirty="0"/>
               <a:pPr/>
-              <a:t>11/27/2018</a:t>
+              <a:t>11/29/2018</a:t>
             </a:fld>
             <a:endParaRPr lang="en-US" dirty="0"/>
           </a:p>
@@ -7530,15 +8007,21 @@
             <p:ph type="title"/>
           </p:nvPr>
         </p:nvSpPr>
-        <p:spPr/>
+        <p:spPr>
+          <a:xfrm>
+            <a:off x="1141413" y="609600"/>
+            <a:ext cx="9905998" cy="1905000"/>
+          </a:xfrm>
+        </p:spPr>
         <p:txBody>
           <a:bodyPr/>
           <a:lstStyle/>
           <a:p>
             <a:r>
-              <a:rPr lang="de-AT" dirty="0"/>
+              <a:rPr lang="de-AT"/>
               <a:t>Kanalzugriffe</a:t>
             </a:r>
+            <a:endParaRPr lang="de-AT" dirty="0"/>
           </a:p>
         </p:txBody>
       </p:sp>
@@ -7574,20 +8057,38 @@
               <a:t>Zugriff erfolgt durch </a:t>
             </a:r>
             <a:r>
-              <a:rPr lang="de-AT" dirty="0" err="1"/>
+              <a:rPr lang="de-AT" dirty="0">
+                <a:effectLst/>
+              </a:rPr>
+              <a:t>Distributed </a:t>
+            </a:r>
+            <a:r>
+              <a:rPr lang="de-AT" dirty="0" err="1">
+                <a:effectLst/>
+              </a:rPr>
               <a:t>Coordination</a:t>
             </a:r>
             <a:r>
+              <a:rPr lang="de-AT" dirty="0">
+                <a:effectLst/>
+              </a:rPr>
+              <a:t> </a:t>
+            </a:r>
+            <a:r>
+              <a:rPr lang="de-AT" dirty="0" err="1">
+                <a:effectLst/>
+              </a:rPr>
+              <a:t>Function</a:t>
+            </a:r>
+            <a:r>
+              <a:rPr lang="de-AT" dirty="0">
+                <a:effectLst/>
+              </a:rPr>
+              <a:t> (DCF)</a:t>
+            </a:r>
+            <a:r>
               <a:rPr lang="de-AT" dirty="0"/>
-              <a:t> </a:t>
-            </a:r>
-            <a:r>
-              <a:rPr lang="de-AT" dirty="0" err="1"/>
-              <a:t>Function</a:t>
-            </a:r>
-            <a:r>
-              <a:rPr lang="de-AT" dirty="0"/>
-              <a:t> (CA) und Point </a:t>
+              <a:t> und Point </a:t>
             </a:r>
             <a:r>
               <a:rPr lang="de-AT" dirty="0" err="1"/>
@@ -7771,19 +8272,7 @@
               <a:rPr lang="de-AT" dirty="0">
                 <a:sym typeface="Wingdings" panose="05000000000000000000" pitchFamily="2" charset="2"/>
               </a:rPr>
-              <a:t> nach Abhörzeit (DIFS) senden  ACK </a:t>
-            </a:r>
-            <a:r>
-              <a:rPr lang="de-AT" dirty="0" err="1">
-                <a:sym typeface="Wingdings" panose="05000000000000000000" pitchFamily="2" charset="2"/>
-              </a:rPr>
-              <a:t>Flag</a:t>
-            </a:r>
-            <a:r>
-              <a:rPr lang="de-AT" dirty="0">
-                <a:sym typeface="Wingdings" panose="05000000000000000000" pitchFamily="2" charset="2"/>
-              </a:rPr>
-              <a:t> nach Wartezeit (SIF)</a:t>
+              <a:t> nach Abhörzeit (SIFS) senden  ACK-Frame nach Wartezeit (SIFS)</a:t>
             </a:r>
           </a:p>
           <a:p>
@@ -8337,25 +8826,30 @@
           <a:lstStyle/>
           <a:p>
             <a:r>
-              <a:rPr lang="de-AT" sz="1800"/>
+              <a:rPr lang="de-AT" sz="1800" dirty="0"/>
               <a:t>Abhörsicher durch mehrstufige dynamische Schlüsselvergabe</a:t>
             </a:r>
           </a:p>
           <a:p>
             <a:r>
-              <a:rPr lang="de-AT" sz="1800"/>
-              <a:t>Master-Slave-Prinzip im Piconet</a:t>
-            </a:r>
-          </a:p>
-          <a:p>
-            <a:r>
-              <a:rPr lang="de-AT" sz="1800"/>
+              <a:rPr lang="de-AT" sz="1800" dirty="0"/>
+              <a:t>Master-Slave-Prinzip im </a:t>
+            </a:r>
+            <a:r>
+              <a:rPr lang="de-AT" sz="1800" dirty="0" err="1"/>
+              <a:t>Piconet</a:t>
+            </a:r>
+            <a:endParaRPr lang="de-AT" sz="1800" dirty="0"/>
+          </a:p>
+          <a:p>
+            <a:r>
+              <a:rPr lang="de-AT" sz="1800" dirty="0"/>
               <a:t>7-8 aktive Teilnehmer</a:t>
             </a:r>
           </a:p>
           <a:p>
             <a:r>
-              <a:rPr lang="de-AT" sz="1800"/>
+              <a:rPr lang="de-AT" sz="1800" dirty="0"/>
               <a:t>Zeitmultiplexverfahren</a:t>
             </a:r>
           </a:p>
@@ -9272,7 +9766,7 @@
               <a:rPr lang="de-AT" dirty="0">
                 <a:effectLst/>
               </a:rPr>
-              <a:t>Übertragungsrate: 106 KBit/s, 212 KBit/s und 424 KBit/s</a:t>
+              <a:t>Übertragungsrate: max. 424 KBit/s</a:t>
             </a:r>
           </a:p>
           <a:p>
@@ -9281,7 +9775,7 @@
               <a:rPr lang="de-AT" dirty="0">
                 <a:effectLst/>
               </a:rPr>
-              <a:t>Reichweite: maximal 10 Zentimeter</a:t>
+              <a:t>Reichweite: max. 10 Zentimeter</a:t>
             </a:r>
           </a:p>
           <a:p>
@@ -9532,6 +10026,64 @@
 </p:sld>
 </file>
 
+<file path=ppt/slides/slide19.xml><?xml version="1.0" encoding="utf-8"?>
+<p:sld xmlns:a="http://schemas.openxmlformats.org/drawingml/2006/main" xmlns:r="http://schemas.openxmlformats.org/officeDocument/2006/relationships" xmlns:p="http://schemas.openxmlformats.org/presentationml/2006/main">
+  <p:cSld>
+    <p:spTree>
+      <p:nvGrpSpPr>
+        <p:cNvPr id="1" name=""/>
+        <p:cNvGrpSpPr/>
+        <p:nvPr/>
+      </p:nvGrpSpPr>
+      <p:grpSpPr>
+        <a:xfrm>
+          <a:off x="0" y="0"/>
+          <a:ext cx="0" cy="0"/>
+          <a:chOff x="0" y="0"/>
+          <a:chExt cx="0" cy="0"/>
+        </a:xfrm>
+      </p:grpSpPr>
+      <p:sp>
+        <p:nvSpPr>
+          <p:cNvPr id="2" name="Titel 1">
+            <a:extLst>
+              <a:ext uri="{FF2B5EF4-FFF2-40B4-BE49-F238E27FC236}">
+                <a16:creationId xmlns:a16="http://schemas.microsoft.com/office/drawing/2014/main" id="{FF66F227-985F-4D8F-BA8D-6D70ED17C289}"/>
+              </a:ext>
+            </a:extLst>
+          </p:cNvPr>
+          <p:cNvSpPr>
+            <a:spLocks noGrp="1"/>
+          </p:cNvSpPr>
+          <p:nvPr>
+            <p:ph type="title"/>
+          </p:nvPr>
+        </p:nvSpPr>
+        <p:spPr/>
+        <p:txBody>
+          <a:bodyPr/>
+          <a:lstStyle/>
+          <a:p>
+            <a:r>
+              <a:rPr lang="de-AT" dirty="0"/>
+              <a:t>Danke für eure Aufmerksamkeit!</a:t>
+            </a:r>
+          </a:p>
+        </p:txBody>
+      </p:sp>
+    </p:spTree>
+    <p:extLst>
+      <p:ext uri="{BB962C8B-B14F-4D97-AF65-F5344CB8AC3E}">
+        <p14:creationId xmlns:p14="http://schemas.microsoft.com/office/powerpoint/2010/main" val="2838954863"/>
+      </p:ext>
+    </p:extLst>
+  </p:cSld>
+  <p:clrMapOvr>
+    <a:masterClrMapping/>
+  </p:clrMapOvr>
+</p:sld>
+</file>
+
 <file path=ppt/slides/slide2.xml><?xml version="1.0" encoding="utf-8"?>
 <p:sld xmlns:a="http://schemas.openxmlformats.org/drawingml/2006/main" xmlns:r="http://schemas.openxmlformats.org/officeDocument/2006/relationships" xmlns:p="http://schemas.openxmlformats.org/presentationml/2006/main">
   <p:cSld>
@@ -9706,7 +10258,7 @@
           </p:nvPr>
         </p:nvPicPr>
         <p:blipFill>
-          <a:blip r:embed="rId2"/>
+          <a:blip r:embed="rId3"/>
           <a:stretch>
             <a:fillRect/>
           </a:stretch>
@@ -10035,7 +10587,7 @@
             </a:pPr>
             <a:r>
               <a:rPr lang="de-AT" dirty="0"/>
-              <a:t>Weniger genutztes Frequenzband</a:t>
+              <a:t>Frequenzband weniger genutzt </a:t>
             </a:r>
           </a:p>
           <a:p>
@@ -10045,7 +10597,7 @@
             </a:pPr>
             <a:r>
               <a:rPr lang="de-AT" dirty="0"/>
-              <a:t>Höhere Reichweite und 19 Kanäle möglich</a:t>
+              <a:t>19 Kanäle möglich</a:t>
             </a:r>
             <a:endParaRPr lang="de-AT" dirty="0">
               <a:sym typeface="Wingdings" panose="05000000000000000000" pitchFamily="2" charset="2"/>
@@ -10251,6 +10803,30 @@
 <file path=ppt/slides/slide7.xml><?xml version="1.0" encoding="utf-8"?>
 <p:sld xmlns:a="http://schemas.openxmlformats.org/drawingml/2006/main" xmlns:r="http://schemas.openxmlformats.org/officeDocument/2006/relationships" xmlns:p="http://schemas.openxmlformats.org/presentationml/2006/main">
   <p:cSld>
+    <p:bg>
+      <p:bgPr>
+        <a:blipFill rotWithShape="1">
+          <a:blip r:embed="rId3">
+            <a:duotone>
+              <a:schemeClr val="bg2">
+                <a:shade val="28000"/>
+                <a:satMod val="94000"/>
+                <a:lumMod val="20000"/>
+              </a:schemeClr>
+              <a:schemeClr val="bg2">
+                <a:tint val="94000"/>
+                <a:shade val="84000"/>
+                <a:satMod val="148000"/>
+                <a:lumMod val="114000"/>
+              </a:schemeClr>
+            </a:duotone>
+            <a:extLst/>
+          </a:blip>
+          <a:stretch/>
+        </a:blipFill>
+        <a:effectLst/>
+      </p:bgPr>
+    </p:bg>
     <p:spTree>
       <p:nvGrpSpPr>
         <p:cNvPr id="1" name=""/>
@@ -10281,67 +10857,30 @@
             <p:ph type="title"/>
           </p:nvPr>
         </p:nvSpPr>
-        <p:spPr/>
-        <p:txBody>
-          <a:bodyPr/>
-          <a:lstStyle/>
-          <a:p>
-            <a:r>
-              <a:rPr lang="de-AT" dirty="0"/>
+        <p:spPr>
+          <a:xfrm>
+            <a:off x="1143000" y="609599"/>
+            <a:ext cx="6132446" cy="2009775"/>
+          </a:xfrm>
+        </p:spPr>
+        <p:txBody>
+          <a:bodyPr>
+            <a:normAutofit/>
+          </a:bodyPr>
+          <a:lstStyle/>
+          <a:p>
+            <a:pPr algn="ctr"/>
+            <a:r>
+              <a:rPr lang="de-AT"/>
               <a:t>FHSS (</a:t>
             </a:r>
             <a:r>
-              <a:rPr lang="en-US" dirty="0">
+              <a:rPr lang="en-US">
                 <a:effectLst/>
               </a:rPr>
               <a:t>Frequency Hopping Spread Spectrum)</a:t>
             </a:r>
-            <a:endParaRPr lang="de-AT" dirty="0"/>
-          </a:p>
-        </p:txBody>
-      </p:sp>
-      <p:sp>
-        <p:nvSpPr>
-          <p:cNvPr id="3" name="Inhaltsplatzhalter 2">
-            <a:extLst>
-              <a:ext uri="{FF2B5EF4-FFF2-40B4-BE49-F238E27FC236}">
-                <a16:creationId xmlns:a16="http://schemas.microsoft.com/office/drawing/2014/main" id="{297A9E95-C76E-45B1-A05E-90D9EDB48068}"/>
-              </a:ext>
-            </a:extLst>
-          </p:cNvPr>
-          <p:cNvSpPr>
-            <a:spLocks noGrp="1"/>
-          </p:cNvSpPr>
-          <p:nvPr>
-            <p:ph idx="1"/>
-          </p:nvPr>
-        </p:nvSpPr>
-        <p:spPr>
-          <a:xfrm>
-            <a:off x="1141413" y="1562100"/>
-            <a:ext cx="9905998" cy="3124201"/>
-          </a:xfrm>
-        </p:spPr>
-        <p:txBody>
-          <a:bodyPr/>
-          <a:lstStyle/>
-          <a:p>
-            <a:r>
-              <a:rPr lang="de-AT" dirty="0"/>
-              <a:t>79 nicht überlappende Frequenzbereiche (1 MHz)</a:t>
-            </a:r>
-          </a:p>
-          <a:p>
-            <a:r>
-              <a:rPr lang="de-AT" dirty="0"/>
-              <a:t>Abfolge wird an Hand einer Basisfolge b(i) berechnet</a:t>
-            </a:r>
-          </a:p>
-          <a:p>
-            <a:r>
-              <a:rPr lang="de-AT" dirty="0"/>
-              <a:t>Versenden des Pakets auf einer anderen Frequenz bei Kollision</a:t>
-            </a:r>
+            <a:endParaRPr lang="de-AT"/>
           </a:p>
         </p:txBody>
       </p:sp>
@@ -10358,19 +10897,274 @@
           <p:nvPr/>
         </p:nvPicPr>
         <p:blipFill>
-          <a:blip r:embed="rId3"/>
+          <a:blip r:embed="rId4"/>
           <a:stretch>
             <a:fillRect/>
           </a:stretch>
         </p:blipFill>
         <p:spPr>
           <a:xfrm>
-            <a:off x="2964111" y="4198258"/>
-            <a:ext cx="6263777" cy="2260599"/>
+            <a:off x="7552042" y="1556510"/>
+            <a:ext cx="3416888" cy="1110488"/>
           </a:xfrm>
-          <a:prstGeom prst="rect">
+          <a:custGeom>
             <a:avLst/>
-          </a:prstGeom>
+            <a:gdLst>
+              <a:gd name="connsiteX0" fmla="*/ 120172 w 3416888"/>
+              <a:gd name="connsiteY0" fmla="*/ 0 h 2057399"/>
+              <a:gd name="connsiteX1" fmla="*/ 3296716 w 3416888"/>
+              <a:gd name="connsiteY1" fmla="*/ 0 h 2057399"/>
+              <a:gd name="connsiteX2" fmla="*/ 3416888 w 3416888"/>
+              <a:gd name="connsiteY2" fmla="*/ 120172 h 2057399"/>
+              <a:gd name="connsiteX3" fmla="*/ 3416888 w 3416888"/>
+              <a:gd name="connsiteY3" fmla="*/ 2057399 h 2057399"/>
+              <a:gd name="connsiteX4" fmla="*/ 0 w 3416888"/>
+              <a:gd name="connsiteY4" fmla="*/ 2057399 h 2057399"/>
+              <a:gd name="connsiteX5" fmla="*/ 0 w 3416888"/>
+              <a:gd name="connsiteY5" fmla="*/ 120172 h 2057399"/>
+              <a:gd name="connsiteX6" fmla="*/ 120172 w 3416888"/>
+              <a:gd name="connsiteY6" fmla="*/ 0 h 2057399"/>
+            </a:gdLst>
+            <a:ahLst/>
+            <a:cxnLst>
+              <a:cxn ang="0">
+                <a:pos x="connsiteX0" y="connsiteY0"/>
+              </a:cxn>
+              <a:cxn ang="0">
+                <a:pos x="connsiteX1" y="connsiteY1"/>
+              </a:cxn>
+              <a:cxn ang="0">
+                <a:pos x="connsiteX2" y="connsiteY2"/>
+              </a:cxn>
+              <a:cxn ang="0">
+                <a:pos x="connsiteX3" y="connsiteY3"/>
+              </a:cxn>
+              <a:cxn ang="0">
+                <a:pos x="connsiteX4" y="connsiteY4"/>
+              </a:cxn>
+              <a:cxn ang="0">
+                <a:pos x="connsiteX5" y="connsiteY5"/>
+              </a:cxn>
+              <a:cxn ang="0">
+                <a:pos x="connsiteX6" y="connsiteY6"/>
+              </a:cxn>
+            </a:cxnLst>
+            <a:rect l="l" t="t" r="r" b="b"/>
+            <a:pathLst>
+              <a:path w="3416888" h="2057399">
+                <a:moveTo>
+                  <a:pt x="120172" y="0"/>
+                </a:moveTo>
+                <a:lnTo>
+                  <a:pt x="3296716" y="0"/>
+                </a:lnTo>
+                <a:cubicBezTo>
+                  <a:pt x="3363085" y="0"/>
+                  <a:pt x="3416888" y="53803"/>
+                  <a:pt x="3416888" y="120172"/>
+                </a:cubicBezTo>
+                <a:lnTo>
+                  <a:pt x="3416888" y="2057399"/>
+                </a:lnTo>
+                <a:lnTo>
+                  <a:pt x="0" y="2057399"/>
+                </a:lnTo>
+                <a:lnTo>
+                  <a:pt x="0" y="120172"/>
+                </a:lnTo>
+                <a:cubicBezTo>
+                  <a:pt x="0" y="53803"/>
+                  <a:pt x="53803" y="0"/>
+                  <a:pt x="120172" y="0"/>
+                </a:cubicBezTo>
+                <a:close/>
+              </a:path>
+            </a:pathLst>
+          </a:custGeom>
+          <a:ln w="38100">
+            <a:gradFill flip="none" rotWithShape="1">
+              <a:gsLst>
+                <a:gs pos="0">
+                  <a:srgbClr val="363D46"/>
+                </a:gs>
+                <a:gs pos="100000">
+                  <a:srgbClr val="363D46">
+                    <a:lumMod val="75000"/>
+                  </a:srgbClr>
+                </a:gs>
+              </a:gsLst>
+              <a:lin ang="5400000" scaled="0"/>
+              <a:tileRect/>
+            </a:gradFill>
+          </a:ln>
+          <a:effectLst>
+            <a:innerShdw blurRad="57150" dist="38100" dir="14460000">
+              <a:srgbClr val="000000">
+                <a:alpha val="70000"/>
+              </a:srgbClr>
+            </a:innerShdw>
+          </a:effectLst>
+        </p:spPr>
+      </p:pic>
+      <p:sp>
+        <p:nvSpPr>
+          <p:cNvPr id="3" name="Inhaltsplatzhalter 2">
+            <a:extLst>
+              <a:ext uri="{FF2B5EF4-FFF2-40B4-BE49-F238E27FC236}">
+                <a16:creationId xmlns:a16="http://schemas.microsoft.com/office/drawing/2014/main" id="{297A9E95-C76E-45B1-A05E-90D9EDB48068}"/>
+              </a:ext>
+            </a:extLst>
+          </p:cNvPr>
+          <p:cNvSpPr>
+            <a:spLocks noGrp="1"/>
+          </p:cNvSpPr>
+          <p:nvPr>
+            <p:ph idx="1"/>
+          </p:nvPr>
+        </p:nvSpPr>
+        <p:spPr>
+          <a:xfrm>
+            <a:off x="1143000" y="2774425"/>
+            <a:ext cx="6132446" cy="3288445"/>
+          </a:xfrm>
+        </p:spPr>
+        <p:txBody>
+          <a:bodyPr>
+            <a:normAutofit/>
+          </a:bodyPr>
+          <a:lstStyle/>
+          <a:p>
+            <a:r>
+              <a:rPr lang="de-AT" dirty="0"/>
+              <a:t>79 nicht überlappende Frequenzbereiche (1 MHz)</a:t>
+            </a:r>
+          </a:p>
+          <a:p>
+            <a:r>
+              <a:rPr lang="de-AT" dirty="0"/>
+              <a:t>Abfolge wird an Hand einer Basisfolge b(i) berechnet</a:t>
+            </a:r>
+          </a:p>
+          <a:p>
+            <a:r>
+              <a:rPr lang="de-AT" dirty="0"/>
+              <a:t>Versenden des Pakets auf einer anderen Frequenz bei Kollision</a:t>
+            </a:r>
+          </a:p>
+        </p:txBody>
+      </p:sp>
+      <p:pic>
+        <p:nvPicPr>
+          <p:cNvPr id="5" name="Grafik 4">
+            <a:extLst>
+              <a:ext uri="{FF2B5EF4-FFF2-40B4-BE49-F238E27FC236}">
+                <a16:creationId xmlns:a16="http://schemas.microsoft.com/office/drawing/2014/main" id="{E4A49E84-E1FA-47E3-891F-DC33BE550B21}"/>
+              </a:ext>
+            </a:extLst>
+          </p:cNvPr>
+          <p:cNvPicPr/>
+          <p:nvPr/>
+        </p:nvPicPr>
+        <p:blipFill>
+          <a:blip r:embed="rId5"/>
+          <a:stretch>
+            <a:fillRect/>
+          </a:stretch>
+        </p:blipFill>
+        <p:spPr>
+          <a:xfrm>
+            <a:off x="7552042" y="2918297"/>
+            <a:ext cx="3416888" cy="1324043"/>
+          </a:xfrm>
+          <a:custGeom>
+            <a:avLst/>
+            <a:gdLst>
+              <a:gd name="connsiteX0" fmla="*/ 0 w 3416888"/>
+              <a:gd name="connsiteY0" fmla="*/ 0 h 3240120"/>
+              <a:gd name="connsiteX1" fmla="*/ 3416888 w 3416888"/>
+              <a:gd name="connsiteY1" fmla="*/ 0 h 3240120"/>
+              <a:gd name="connsiteX2" fmla="*/ 3416888 w 3416888"/>
+              <a:gd name="connsiteY2" fmla="*/ 3119948 h 3240120"/>
+              <a:gd name="connsiteX3" fmla="*/ 3296716 w 3416888"/>
+              <a:gd name="connsiteY3" fmla="*/ 3240120 h 3240120"/>
+              <a:gd name="connsiteX4" fmla="*/ 120172 w 3416888"/>
+              <a:gd name="connsiteY4" fmla="*/ 3240120 h 3240120"/>
+              <a:gd name="connsiteX5" fmla="*/ 0 w 3416888"/>
+              <a:gd name="connsiteY5" fmla="*/ 3119948 h 3240120"/>
+            </a:gdLst>
+            <a:ahLst/>
+            <a:cxnLst>
+              <a:cxn ang="0">
+                <a:pos x="connsiteX0" y="connsiteY0"/>
+              </a:cxn>
+              <a:cxn ang="0">
+                <a:pos x="connsiteX1" y="connsiteY1"/>
+              </a:cxn>
+              <a:cxn ang="0">
+                <a:pos x="connsiteX2" y="connsiteY2"/>
+              </a:cxn>
+              <a:cxn ang="0">
+                <a:pos x="connsiteX3" y="connsiteY3"/>
+              </a:cxn>
+              <a:cxn ang="0">
+                <a:pos x="connsiteX4" y="connsiteY4"/>
+              </a:cxn>
+              <a:cxn ang="0">
+                <a:pos x="connsiteX5" y="connsiteY5"/>
+              </a:cxn>
+            </a:cxnLst>
+            <a:rect l="l" t="t" r="r" b="b"/>
+            <a:pathLst>
+              <a:path w="3416888" h="3240120">
+                <a:moveTo>
+                  <a:pt x="0" y="0"/>
+                </a:moveTo>
+                <a:lnTo>
+                  <a:pt x="3416888" y="0"/>
+                </a:lnTo>
+                <a:lnTo>
+                  <a:pt x="3416888" y="3119948"/>
+                </a:lnTo>
+                <a:cubicBezTo>
+                  <a:pt x="3416888" y="3186317"/>
+                  <a:pt x="3363085" y="3240120"/>
+                  <a:pt x="3296716" y="3240120"/>
+                </a:cubicBezTo>
+                <a:lnTo>
+                  <a:pt x="120172" y="3240120"/>
+                </a:lnTo>
+                <a:cubicBezTo>
+                  <a:pt x="53803" y="3240120"/>
+                  <a:pt x="0" y="3186317"/>
+                  <a:pt x="0" y="3119948"/>
+                </a:cubicBezTo>
+                <a:close/>
+              </a:path>
+            </a:pathLst>
+          </a:custGeom>
+          <a:ln w="38100">
+            <a:gradFill flip="none" rotWithShape="1">
+              <a:gsLst>
+                <a:gs pos="0">
+                  <a:srgbClr val="363D46"/>
+                </a:gs>
+                <a:gs pos="100000">
+                  <a:srgbClr val="363D46">
+                    <a:lumMod val="75000"/>
+                  </a:srgbClr>
+                </a:gs>
+              </a:gsLst>
+              <a:lin ang="5400000" scaled="0"/>
+              <a:tileRect/>
+            </a:gradFill>
+          </a:ln>
+          <a:effectLst>
+            <a:innerShdw blurRad="57150" dist="38100" dir="14460000">
+              <a:srgbClr val="000000">
+                <a:alpha val="70000"/>
+              </a:srgbClr>
+            </a:innerShdw>
+          </a:effectLst>
         </p:spPr>
       </p:pic>
     </p:spTree>
